--- a/dwtm_DJALMA_GUSTAVO.pptx
+++ b/dwtm_DJALMA_GUSTAVO.pptx
@@ -221,7 +221,7 @@
             <a:fld id="{CFADD5BE-5548-488F-895C-717B839BB72A}" type="datetimeFigureOut">
               <a:rPr lang="pt-BR" smtClean="0"/>
               <a:pPr/>
-              <a:t>17/06/2020</a:t>
+              <a:t>18/06/2020</a:t>
             </a:fld>
             <a:endParaRPr lang="pt-BR"/>
           </a:p>
@@ -666,7 +666,7 @@
             <a:fld id="{ECEEBD8D-6DF1-4761-AB27-416151EBE3F7}" type="datetimeFigureOut">
               <a:rPr lang="pt-BR" smtClean="0"/>
               <a:pPr/>
-              <a:t>17/06/2020</a:t>
+              <a:t>18/06/2020</a:t>
             </a:fld>
             <a:endParaRPr lang="pt-BR"/>
           </a:p>
@@ -831,7 +831,7 @@
             <a:fld id="{ECEEBD8D-6DF1-4761-AB27-416151EBE3F7}" type="datetimeFigureOut">
               <a:rPr lang="pt-BR" smtClean="0"/>
               <a:pPr/>
-              <a:t>17/06/2020</a:t>
+              <a:t>18/06/2020</a:t>
             </a:fld>
             <a:endParaRPr lang="pt-BR"/>
           </a:p>
@@ -1006,7 +1006,7 @@
             <a:fld id="{ECEEBD8D-6DF1-4761-AB27-416151EBE3F7}" type="datetimeFigureOut">
               <a:rPr lang="pt-BR" smtClean="0"/>
               <a:pPr/>
-              <a:t>17/06/2020</a:t>
+              <a:t>18/06/2020</a:t>
             </a:fld>
             <a:endParaRPr lang="pt-BR"/>
           </a:p>
@@ -1171,7 +1171,7 @@
             <a:fld id="{ECEEBD8D-6DF1-4761-AB27-416151EBE3F7}" type="datetimeFigureOut">
               <a:rPr lang="pt-BR" smtClean="0"/>
               <a:pPr/>
-              <a:t>17/06/2020</a:t>
+              <a:t>18/06/2020</a:t>
             </a:fld>
             <a:endParaRPr lang="pt-BR"/>
           </a:p>
@@ -1413,7 +1413,7 @@
             <a:fld id="{ECEEBD8D-6DF1-4761-AB27-416151EBE3F7}" type="datetimeFigureOut">
               <a:rPr lang="pt-BR" smtClean="0"/>
               <a:pPr/>
-              <a:t>17/06/2020</a:t>
+              <a:t>18/06/2020</a:t>
             </a:fld>
             <a:endParaRPr lang="pt-BR"/>
           </a:p>
@@ -1695,7 +1695,7 @@
             <a:fld id="{ECEEBD8D-6DF1-4761-AB27-416151EBE3F7}" type="datetimeFigureOut">
               <a:rPr lang="pt-BR" smtClean="0"/>
               <a:pPr/>
-              <a:t>17/06/2020</a:t>
+              <a:t>18/06/2020</a:t>
             </a:fld>
             <a:endParaRPr lang="pt-BR"/>
           </a:p>
@@ -2111,7 +2111,7 @@
             <a:fld id="{ECEEBD8D-6DF1-4761-AB27-416151EBE3F7}" type="datetimeFigureOut">
               <a:rPr lang="pt-BR" smtClean="0"/>
               <a:pPr/>
-              <a:t>17/06/2020</a:t>
+              <a:t>18/06/2020</a:t>
             </a:fld>
             <a:endParaRPr lang="pt-BR"/>
           </a:p>
@@ -2225,7 +2225,7 @@
             <a:fld id="{ECEEBD8D-6DF1-4761-AB27-416151EBE3F7}" type="datetimeFigureOut">
               <a:rPr lang="pt-BR" smtClean="0"/>
               <a:pPr/>
-              <a:t>17/06/2020</a:t>
+              <a:t>18/06/2020</a:t>
             </a:fld>
             <a:endParaRPr lang="pt-BR"/>
           </a:p>
@@ -2317,7 +2317,7 @@
             <a:fld id="{ECEEBD8D-6DF1-4761-AB27-416151EBE3F7}" type="datetimeFigureOut">
               <a:rPr lang="pt-BR" smtClean="0"/>
               <a:pPr/>
-              <a:t>17/06/2020</a:t>
+              <a:t>18/06/2020</a:t>
             </a:fld>
             <a:endParaRPr lang="pt-BR"/>
           </a:p>
@@ -2589,7 +2589,7 @@
             <a:fld id="{ECEEBD8D-6DF1-4761-AB27-416151EBE3F7}" type="datetimeFigureOut">
               <a:rPr lang="pt-BR" smtClean="0"/>
               <a:pPr/>
-              <a:t>17/06/2020</a:t>
+              <a:t>18/06/2020</a:t>
             </a:fld>
             <a:endParaRPr lang="pt-BR"/>
           </a:p>
@@ -2838,7 +2838,7 @@
             <a:fld id="{ECEEBD8D-6DF1-4761-AB27-416151EBE3F7}" type="datetimeFigureOut">
               <a:rPr lang="pt-BR" smtClean="0"/>
               <a:pPr/>
-              <a:t>17/06/2020</a:t>
+              <a:t>18/06/2020</a:t>
             </a:fld>
             <a:endParaRPr lang="pt-BR"/>
           </a:p>
@@ -3055,7 +3055,7 @@
             <a:fld id="{ECEEBD8D-6DF1-4761-AB27-416151EBE3F7}" type="datetimeFigureOut">
               <a:rPr lang="pt-BR" smtClean="0"/>
               <a:pPr/>
-              <a:t>17/06/2020</a:t>
+              <a:t>18/06/2020</a:t>
             </a:fld>
             <a:endParaRPr lang="pt-BR"/>
           </a:p>
@@ -3667,7 +3667,7 @@
                 <a:latin typeface="Arial" pitchFamily="34" charset="0"/>
                 <a:cs typeface="Arial" pitchFamily="34" charset="0"/>
               </a:rPr>
-              <a:t> de informações: </a:t>
+              <a:t>: </a:t>
             </a:r>
           </a:p>
           <a:p>
@@ -3705,7 +3705,7 @@
                 <a:latin typeface="Arial" pitchFamily="34" charset="0"/>
                 <a:cs typeface="Arial" pitchFamily="34" charset="0"/>
               </a:rPr>
-              <a:t>consultar</a:t>
+              <a:t>Consultar</a:t>
             </a:r>
           </a:p>
           <a:p>
@@ -3724,7 +3724,7 @@
                 <a:latin typeface="Arial" pitchFamily="34" charset="0"/>
                 <a:cs typeface="Arial" pitchFamily="34" charset="0"/>
               </a:rPr>
-              <a:t>atualizar </a:t>
+              <a:t>Atualizar </a:t>
             </a:r>
           </a:p>
           <a:p>
@@ -3743,7 +3743,7 @@
                 <a:latin typeface="Arial" pitchFamily="34" charset="0"/>
                 <a:cs typeface="Arial" pitchFamily="34" charset="0"/>
               </a:rPr>
-              <a:t>excluir</a:t>
+              <a:t>Excluir</a:t>
             </a:r>
             <a:endParaRPr lang="pt-BR" altLang="pt-BR" sz="600" dirty="0">
               <a:latin typeface="Arial" pitchFamily="34" charset="0"/>

--- a/dwtm_DJALMA_GUSTAVO.pptx
+++ b/dwtm_DJALMA_GUSTAVO.pptx
@@ -5596,21 +5596,7 @@
                 <a:latin typeface="Arial" pitchFamily="34" charset="0"/>
                 <a:cs typeface="Arial" pitchFamily="34" charset="0"/>
               </a:rPr>
-              <a:t>API REST utilizando </a:t>
-            </a:r>
-            <a:r>
-              <a:rPr lang="pt-BR" sz="2300" dirty="0" err="1">
-                <a:latin typeface="Arial" pitchFamily="34" charset="0"/>
-                <a:cs typeface="Arial" pitchFamily="34" charset="0"/>
-              </a:rPr>
-              <a:t>dotnet</a:t>
-            </a:r>
-            <a:r>
-              <a:rPr lang="pt-BR" sz="2300" dirty="0">
-                <a:latin typeface="Arial" pitchFamily="34" charset="0"/>
-                <a:cs typeface="Arial" pitchFamily="34" charset="0"/>
-              </a:rPr>
-              <a:t> framework</a:t>
+              <a:t>API REST utilizando .NET Core</a:t>
             </a:r>
           </a:p>
           <a:p>
